--- a/Wireframe1.pptx
+++ b/Wireframe1.pptx
@@ -5,11 +5,13 @@
     <p:sldMasterId id="2147483648" r:id="rId1"/>
   </p:sldMasterIdLst>
   <p:notesMasterIdLst>
-    <p:notesMasterId r:id="rId4"/>
+    <p:notesMasterId r:id="rId6"/>
   </p:notesMasterIdLst>
   <p:sldIdLst>
     <p:sldId id="256" r:id="rId2"/>
     <p:sldId id="257" r:id="rId3"/>
+    <p:sldId id="258" r:id="rId4"/>
+    <p:sldId id="259" r:id="rId5"/>
   </p:sldIdLst>
   <p:sldSz cx="6858000" cy="9144000" type="screen4x3"/>
   <p:notesSz cx="6858000" cy="9144000"/>
@@ -193,7 +195,7 @@
           <a:p>
             <a:fld id="{F41CA907-CBC8-444D-AF7F-12D832201F8E}" type="datetimeFigureOut">
               <a:rPr lang="en-US" smtClean="0"/>
-              <a:t>9/22/2015</a:t>
+              <a:t>9/23/2015</a:t>
             </a:fld>
             <a:endParaRPr lang="en-US"/>
           </a:p>
@@ -545,6 +547,90 @@
 </p:notes>
 </file>
 
+<file path=ppt/notesSlides/notesSlide2.xml><?xml version="1.0" encoding="utf-8"?>
+<p:notes xmlns:a="http://schemas.openxmlformats.org/drawingml/2006/main" xmlns:r="http://schemas.openxmlformats.org/officeDocument/2006/relationships" xmlns:p="http://schemas.openxmlformats.org/presentationml/2006/main">
+  <p:cSld>
+    <p:spTree>
+      <p:nvGrpSpPr>
+        <p:cNvPr id="1" name=""/>
+        <p:cNvGrpSpPr/>
+        <p:nvPr/>
+      </p:nvGrpSpPr>
+      <p:grpSpPr>
+        <a:xfrm>
+          <a:off x="0" y="0"/>
+          <a:ext cx="0" cy="0"/>
+          <a:chOff x="0" y="0"/>
+          <a:chExt cx="0" cy="0"/>
+        </a:xfrm>
+      </p:grpSpPr>
+      <p:sp>
+        <p:nvSpPr>
+          <p:cNvPr id="2" name="Slide Image Placeholder 1"/>
+          <p:cNvSpPr>
+            <a:spLocks noGrp="1" noRot="1" noChangeAspect="1"/>
+          </p:cNvSpPr>
+          <p:nvPr>
+            <p:ph type="sldImg"/>
+          </p:nvPr>
+        </p:nvSpPr>
+        <p:spPr/>
+      </p:sp>
+      <p:sp>
+        <p:nvSpPr>
+          <p:cNvPr id="3" name="Notes Placeholder 2"/>
+          <p:cNvSpPr>
+            <a:spLocks noGrp="1"/>
+          </p:cNvSpPr>
+          <p:nvPr>
+            <p:ph type="body" idx="1"/>
+          </p:nvPr>
+        </p:nvSpPr>
+        <p:spPr/>
+        <p:txBody>
+          <a:bodyPr/>
+          <a:lstStyle/>
+          <a:p>
+            <a:endParaRPr lang="en-US" dirty="0"/>
+          </a:p>
+        </p:txBody>
+      </p:sp>
+      <p:sp>
+        <p:nvSpPr>
+          <p:cNvPr id="4" name="Slide Number Placeholder 3"/>
+          <p:cNvSpPr>
+            <a:spLocks noGrp="1"/>
+          </p:cNvSpPr>
+          <p:nvPr>
+            <p:ph type="sldNum" sz="quarter" idx="10"/>
+          </p:nvPr>
+        </p:nvSpPr>
+        <p:spPr/>
+        <p:txBody>
+          <a:bodyPr/>
+          <a:lstStyle/>
+          <a:p>
+            <a:fld id="{18586F5B-36AE-428C-9DDF-DC92B51DA05A}" type="slidenum">
+              <a:rPr lang="en-US" smtClean="0"/>
+              <a:t>3</a:t>
+            </a:fld>
+            <a:endParaRPr lang="en-US"/>
+          </a:p>
+        </p:txBody>
+      </p:sp>
+    </p:spTree>
+    <p:extLst>
+      <p:ext uri="{BB962C8B-B14F-4D97-AF65-F5344CB8AC3E}">
+        <p14:creationId xmlns:p14="http://schemas.microsoft.com/office/powerpoint/2010/main" val="3705456451"/>
+      </p:ext>
+    </p:extLst>
+  </p:cSld>
+  <p:clrMapOvr>
+    <a:masterClrMapping/>
+  </p:clrMapOvr>
+</p:notes>
+</file>
+
 <file path=ppt/slideLayouts/slideLayout1.xml><?xml version="1.0" encoding="utf-8"?>
 <p:sldLayout xmlns:a="http://schemas.openxmlformats.org/drawingml/2006/main" xmlns:r="http://schemas.openxmlformats.org/officeDocument/2006/relationships" xmlns:p="http://schemas.openxmlformats.org/presentationml/2006/main" type="title" preserve="1">
   <p:cSld name="Title Slide">
@@ -726,7 +812,7 @@
           <a:p>
             <a:fld id="{2F81E353-819B-4E7B-BB89-6BB99CD70E19}" type="datetimeFigureOut">
               <a:rPr lang="en-US" smtClean="0"/>
-              <a:t>9/22/2015</a:t>
+              <a:t>9/23/2015</a:t>
             </a:fld>
             <a:endParaRPr lang="en-US"/>
           </a:p>
@@ -896,7 +982,7 @@
           <a:p>
             <a:fld id="{2F81E353-819B-4E7B-BB89-6BB99CD70E19}" type="datetimeFigureOut">
               <a:rPr lang="en-US" smtClean="0"/>
-              <a:t>9/22/2015</a:t>
+              <a:t>9/23/2015</a:t>
             </a:fld>
             <a:endParaRPr lang="en-US"/>
           </a:p>
@@ -1076,7 +1162,7 @@
           <a:p>
             <a:fld id="{2F81E353-819B-4E7B-BB89-6BB99CD70E19}" type="datetimeFigureOut">
               <a:rPr lang="en-US" smtClean="0"/>
-              <a:t>9/22/2015</a:t>
+              <a:t>9/23/2015</a:t>
             </a:fld>
             <a:endParaRPr lang="en-US"/>
           </a:p>
@@ -1246,7 +1332,7 @@
           <a:p>
             <a:fld id="{2F81E353-819B-4E7B-BB89-6BB99CD70E19}" type="datetimeFigureOut">
               <a:rPr lang="en-US" smtClean="0"/>
-              <a:t>9/22/2015</a:t>
+              <a:t>9/23/2015</a:t>
             </a:fld>
             <a:endParaRPr lang="en-US"/>
           </a:p>
@@ -1492,7 +1578,7 @@
           <a:p>
             <a:fld id="{2F81E353-819B-4E7B-BB89-6BB99CD70E19}" type="datetimeFigureOut">
               <a:rPr lang="en-US" smtClean="0"/>
-              <a:t>9/22/2015</a:t>
+              <a:t>9/23/2015</a:t>
             </a:fld>
             <a:endParaRPr lang="en-US"/>
           </a:p>
@@ -1780,7 +1866,7 @@
           <a:p>
             <a:fld id="{2F81E353-819B-4E7B-BB89-6BB99CD70E19}" type="datetimeFigureOut">
               <a:rPr lang="en-US" smtClean="0"/>
-              <a:t>9/22/2015</a:t>
+              <a:t>9/23/2015</a:t>
             </a:fld>
             <a:endParaRPr lang="en-US"/>
           </a:p>
@@ -2202,7 +2288,7 @@
           <a:p>
             <a:fld id="{2F81E353-819B-4E7B-BB89-6BB99CD70E19}" type="datetimeFigureOut">
               <a:rPr lang="en-US" smtClean="0"/>
-              <a:t>9/22/2015</a:t>
+              <a:t>9/23/2015</a:t>
             </a:fld>
             <a:endParaRPr lang="en-US"/>
           </a:p>
@@ -2320,7 +2406,7 @@
           <a:p>
             <a:fld id="{2F81E353-819B-4E7B-BB89-6BB99CD70E19}" type="datetimeFigureOut">
               <a:rPr lang="en-US" smtClean="0"/>
-              <a:t>9/22/2015</a:t>
+              <a:t>9/23/2015</a:t>
             </a:fld>
             <a:endParaRPr lang="en-US"/>
           </a:p>
@@ -2415,7 +2501,7 @@
           <a:p>
             <a:fld id="{2F81E353-819B-4E7B-BB89-6BB99CD70E19}" type="datetimeFigureOut">
               <a:rPr lang="en-US" smtClean="0"/>
-              <a:t>9/22/2015</a:t>
+              <a:t>9/23/2015</a:t>
             </a:fld>
             <a:endParaRPr lang="en-US"/>
           </a:p>
@@ -2692,7 +2778,7 @@
           <a:p>
             <a:fld id="{2F81E353-819B-4E7B-BB89-6BB99CD70E19}" type="datetimeFigureOut">
               <a:rPr lang="en-US" smtClean="0"/>
-              <a:t>9/22/2015</a:t>
+              <a:t>9/23/2015</a:t>
             </a:fld>
             <a:endParaRPr lang="en-US"/>
           </a:p>
@@ -2945,7 +3031,7 @@
           <a:p>
             <a:fld id="{2F81E353-819B-4E7B-BB89-6BB99CD70E19}" type="datetimeFigureOut">
               <a:rPr lang="en-US" smtClean="0"/>
-              <a:t>9/22/2015</a:t>
+              <a:t>9/23/2015</a:t>
             </a:fld>
             <a:endParaRPr lang="en-US"/>
           </a:p>
@@ -3158,7 +3244,7 @@
           <a:p>
             <a:fld id="{2F81E353-819B-4E7B-BB89-6BB99CD70E19}" type="datetimeFigureOut">
               <a:rPr lang="en-US" smtClean="0"/>
-              <a:t>9/22/2015</a:t>
+              <a:t>9/23/2015</a:t>
             </a:fld>
             <a:endParaRPr lang="en-US"/>
           </a:p>
@@ -3904,6 +3990,150 @@
           </a:p>
         </p:txBody>
       </p:sp>
+      <p:sp>
+        <p:nvSpPr>
+          <p:cNvPr id="6" name="Rectangle 5"/>
+          <p:cNvSpPr/>
+          <p:nvPr/>
+        </p:nvSpPr>
+        <p:spPr>
+          <a:xfrm>
+            <a:off x="6191250" y="106681"/>
+            <a:ext cx="457200" cy="45719"/>
+          </a:xfrm>
+          <a:prstGeom prst="rect">
+            <a:avLst/>
+          </a:prstGeom>
+          <a:solidFill>
+            <a:schemeClr val="bg1"/>
+          </a:solidFill>
+          <a:ln>
+            <a:solidFill>
+              <a:schemeClr val="bg1"/>
+            </a:solidFill>
+          </a:ln>
+        </p:spPr>
+        <p:style>
+          <a:lnRef idx="2">
+            <a:schemeClr val="accent1">
+              <a:shade val="50000"/>
+            </a:schemeClr>
+          </a:lnRef>
+          <a:fillRef idx="1">
+            <a:schemeClr val="accent1"/>
+          </a:fillRef>
+          <a:effectRef idx="0">
+            <a:schemeClr val="accent1"/>
+          </a:effectRef>
+          <a:fontRef idx="minor">
+            <a:schemeClr val="lt1"/>
+          </a:fontRef>
+        </p:style>
+        <p:txBody>
+          <a:bodyPr rtlCol="0" anchor="ctr"/>
+          <a:lstStyle/>
+          <a:p>
+            <a:pPr algn="ctr"/>
+            <a:endParaRPr lang="en-US"/>
+          </a:p>
+        </p:txBody>
+      </p:sp>
+      <p:sp>
+        <p:nvSpPr>
+          <p:cNvPr id="13" name="Rectangle 12"/>
+          <p:cNvSpPr/>
+          <p:nvPr/>
+        </p:nvSpPr>
+        <p:spPr>
+          <a:xfrm>
+            <a:off x="6191250" y="253997"/>
+            <a:ext cx="457200" cy="45719"/>
+          </a:xfrm>
+          <a:prstGeom prst="rect">
+            <a:avLst/>
+          </a:prstGeom>
+          <a:solidFill>
+            <a:schemeClr val="bg1"/>
+          </a:solidFill>
+          <a:ln>
+            <a:solidFill>
+              <a:schemeClr val="bg1"/>
+            </a:solidFill>
+          </a:ln>
+        </p:spPr>
+        <p:style>
+          <a:lnRef idx="2">
+            <a:schemeClr val="accent1">
+              <a:shade val="50000"/>
+            </a:schemeClr>
+          </a:lnRef>
+          <a:fillRef idx="1">
+            <a:schemeClr val="accent1"/>
+          </a:fillRef>
+          <a:effectRef idx="0">
+            <a:schemeClr val="accent1"/>
+          </a:effectRef>
+          <a:fontRef idx="minor">
+            <a:schemeClr val="lt1"/>
+          </a:fontRef>
+        </p:style>
+        <p:txBody>
+          <a:bodyPr rtlCol="0" anchor="ctr"/>
+          <a:lstStyle/>
+          <a:p>
+            <a:pPr algn="ctr"/>
+            <a:endParaRPr lang="en-US"/>
+          </a:p>
+        </p:txBody>
+      </p:sp>
+      <p:sp>
+        <p:nvSpPr>
+          <p:cNvPr id="15" name="Rectangle 14"/>
+          <p:cNvSpPr/>
+          <p:nvPr/>
+        </p:nvSpPr>
+        <p:spPr>
+          <a:xfrm>
+            <a:off x="6191250" y="411481"/>
+            <a:ext cx="457200" cy="45719"/>
+          </a:xfrm>
+          <a:prstGeom prst="rect">
+            <a:avLst/>
+          </a:prstGeom>
+          <a:solidFill>
+            <a:schemeClr val="bg1"/>
+          </a:solidFill>
+          <a:ln>
+            <a:solidFill>
+              <a:schemeClr val="bg1"/>
+            </a:solidFill>
+          </a:ln>
+        </p:spPr>
+        <p:style>
+          <a:lnRef idx="2">
+            <a:schemeClr val="accent1">
+              <a:shade val="50000"/>
+            </a:schemeClr>
+          </a:lnRef>
+          <a:fillRef idx="1">
+            <a:schemeClr val="accent1"/>
+          </a:fillRef>
+          <a:effectRef idx="0">
+            <a:schemeClr val="accent1"/>
+          </a:effectRef>
+          <a:fontRef idx="minor">
+            <a:schemeClr val="lt1"/>
+          </a:fontRef>
+        </p:style>
+        <p:txBody>
+          <a:bodyPr rtlCol="0" anchor="ctr"/>
+          <a:lstStyle/>
+          <a:p>
+            <a:pPr algn="ctr"/>
+            <a:endParaRPr lang="en-US"/>
+          </a:p>
+        </p:txBody>
+      </p:sp>
     </p:spTree>
     <p:extLst>
       <p:ext uri="{BB962C8B-B14F-4D97-AF65-F5344CB8AC3E}">
@@ -4040,16 +4270,7 @@
                 </a:solidFill>
                 <a:sym typeface="Wingdings"/>
               </a:rPr>
-              <a:t></a:t>
-            </a:r>
-            <a:r>
-              <a:rPr lang="en-US" sz="2000" dirty="0" smtClean="0">
-                <a:solidFill>
-                  <a:schemeClr val="tx1"/>
-                </a:solidFill>
-                <a:sym typeface="Wingdings"/>
-              </a:rPr>
-              <a:t>  </a:t>
+              <a:t>  </a:t>
             </a:r>
             <a:endParaRPr lang="en-US" sz="2000" dirty="0">
               <a:solidFill>
@@ -4165,16 +4386,7 @@
                 </a:solidFill>
                 <a:sym typeface="Wingdings"/>
               </a:rPr>
-              <a:t></a:t>
-            </a:r>
-            <a:r>
-              <a:rPr lang="en-US" sz="2000" dirty="0" smtClean="0">
-                <a:solidFill>
-                  <a:schemeClr val="tx1"/>
-                </a:solidFill>
-                <a:sym typeface="Wingdings"/>
-              </a:rPr>
-              <a:t>  </a:t>
+              <a:t>  </a:t>
             </a:r>
             <a:endParaRPr lang="en-US" sz="2000" dirty="0">
               <a:solidFill>
@@ -4290,16 +4502,7 @@
                 </a:solidFill>
                 <a:sym typeface="Wingdings"/>
               </a:rPr>
-              <a:t></a:t>
-            </a:r>
-            <a:r>
-              <a:rPr lang="en-US" sz="2000" dirty="0" smtClean="0">
-                <a:solidFill>
-                  <a:schemeClr val="tx1"/>
-                </a:solidFill>
-                <a:sym typeface="Wingdings"/>
-              </a:rPr>
-              <a:t>  </a:t>
+              <a:t>  </a:t>
             </a:r>
             <a:endParaRPr lang="en-US" sz="2000" dirty="0">
               <a:solidFill>
@@ -4415,16 +4618,7 @@
                 </a:solidFill>
                 <a:sym typeface="Wingdings"/>
               </a:rPr>
-              <a:t></a:t>
-            </a:r>
-            <a:r>
-              <a:rPr lang="en-US" sz="2000" dirty="0" smtClean="0">
-                <a:solidFill>
-                  <a:schemeClr val="tx1"/>
-                </a:solidFill>
-                <a:sym typeface="Wingdings"/>
-              </a:rPr>
-              <a:t> </a:t>
+              <a:t> </a:t>
             </a:r>
             <a:endParaRPr lang="en-US" sz="2000" dirty="0">
               <a:solidFill>
@@ -4540,16 +4734,7 @@
                 </a:solidFill>
                 <a:sym typeface="Wingdings"/>
               </a:rPr>
-              <a:t></a:t>
-            </a:r>
-            <a:r>
-              <a:rPr lang="en-US" sz="2000" dirty="0" smtClean="0">
-                <a:solidFill>
-                  <a:schemeClr val="tx1"/>
-                </a:solidFill>
-                <a:sym typeface="Wingdings"/>
-              </a:rPr>
-              <a:t> </a:t>
+              <a:t> </a:t>
             </a:r>
             <a:endParaRPr lang="en-US" sz="2000" dirty="0">
               <a:solidFill>
@@ -4665,16 +4850,7 @@
                 </a:solidFill>
                 <a:sym typeface="Wingdings"/>
               </a:rPr>
-              <a:t></a:t>
-            </a:r>
-            <a:r>
-              <a:rPr lang="en-US" sz="2000" dirty="0" smtClean="0">
-                <a:solidFill>
-                  <a:schemeClr val="tx1"/>
-                </a:solidFill>
-                <a:sym typeface="Wingdings"/>
-              </a:rPr>
-              <a:t> </a:t>
+              <a:t> </a:t>
             </a:r>
             <a:endParaRPr lang="en-US" sz="2000" dirty="0">
               <a:solidFill>
@@ -4906,16 +5082,7 @@
                 </a:solidFill>
                 <a:sym typeface="Wingdings"/>
               </a:rPr>
-              <a:t></a:t>
-            </a:r>
-            <a:r>
-              <a:rPr lang="en-US" sz="2000" dirty="0" smtClean="0">
-                <a:solidFill>
-                  <a:schemeClr val="tx1"/>
-                </a:solidFill>
-                <a:sym typeface="Wingdings"/>
-              </a:rPr>
-              <a:t>  </a:t>
+              <a:t>  </a:t>
             </a:r>
             <a:endParaRPr lang="en-US" sz="2000" dirty="0">
               <a:solidFill>
@@ -5031,16 +5198,7 @@
                 </a:solidFill>
                 <a:sym typeface="Wingdings"/>
               </a:rPr>
-              <a:t></a:t>
-            </a:r>
-            <a:r>
-              <a:rPr lang="en-US" sz="2000" dirty="0" smtClean="0">
-                <a:solidFill>
-                  <a:schemeClr val="tx1"/>
-                </a:solidFill>
-                <a:sym typeface="Wingdings"/>
-              </a:rPr>
-              <a:t> </a:t>
+              <a:t> </a:t>
             </a:r>
             <a:endParaRPr lang="en-US" sz="2000" dirty="0">
               <a:solidFill>
@@ -5097,6 +5255,1127 @@
     <p:extLst>
       <p:ext uri="{BB962C8B-B14F-4D97-AF65-F5344CB8AC3E}">
         <p14:creationId xmlns:p14="http://schemas.microsoft.com/office/powerpoint/2010/main" val="2437708932"/>
+      </p:ext>
+    </p:extLst>
+  </p:cSld>
+  <p:clrMapOvr>
+    <a:masterClrMapping/>
+  </p:clrMapOvr>
+</p:sld>
+</file>
+
+<file path=ppt/slides/slide3.xml><?xml version="1.0" encoding="utf-8"?>
+<p:sld xmlns:a="http://schemas.openxmlformats.org/drawingml/2006/main" xmlns:r="http://schemas.openxmlformats.org/officeDocument/2006/relationships" xmlns:p="http://schemas.openxmlformats.org/presentationml/2006/main">
+  <p:cSld>
+    <p:spTree>
+      <p:nvGrpSpPr>
+        <p:cNvPr id="1" name=""/>
+        <p:cNvGrpSpPr/>
+        <p:nvPr/>
+      </p:nvGrpSpPr>
+      <p:grpSpPr>
+        <a:xfrm>
+          <a:off x="0" y="0"/>
+          <a:ext cx="0" cy="0"/>
+          <a:chOff x="0" y="0"/>
+          <a:chExt cx="0" cy="0"/>
+        </a:xfrm>
+      </p:grpSpPr>
+      <p:sp>
+        <p:nvSpPr>
+          <p:cNvPr id="33" name="Rectangle 32"/>
+          <p:cNvSpPr/>
+          <p:nvPr/>
+        </p:nvSpPr>
+        <p:spPr>
+          <a:xfrm>
+            <a:off x="0" y="-15240"/>
+            <a:ext cx="6858000" cy="609600"/>
+          </a:xfrm>
+          <a:prstGeom prst="rect">
+            <a:avLst/>
+          </a:prstGeom>
+        </p:spPr>
+        <p:style>
+          <a:lnRef idx="2">
+            <a:schemeClr val="dk1">
+              <a:shade val="50000"/>
+            </a:schemeClr>
+          </a:lnRef>
+          <a:fillRef idx="1">
+            <a:schemeClr val="dk1"/>
+          </a:fillRef>
+          <a:effectRef idx="0">
+            <a:schemeClr val="dk1"/>
+          </a:effectRef>
+          <a:fontRef idx="minor">
+            <a:schemeClr val="lt1"/>
+          </a:fontRef>
+        </p:style>
+        <p:txBody>
+          <a:bodyPr rtlCol="0" anchor="ctr"/>
+          <a:lstStyle/>
+          <a:p>
+            <a:r>
+              <a:rPr lang="en-US" sz="2400" dirty="0" smtClean="0"/>
+              <a:t>Music Location App</a:t>
+            </a:r>
+            <a:endParaRPr lang="en-US" sz="2400" dirty="0"/>
+          </a:p>
+        </p:txBody>
+      </p:sp>
+      <p:sp>
+        <p:nvSpPr>
+          <p:cNvPr id="8" name="Rectangle 7"/>
+          <p:cNvSpPr/>
+          <p:nvPr/>
+        </p:nvSpPr>
+        <p:spPr>
+          <a:xfrm>
+            <a:off x="0" y="594360"/>
+            <a:ext cx="6858000" cy="701040"/>
+          </a:xfrm>
+          <a:prstGeom prst="rect">
+            <a:avLst/>
+          </a:prstGeom>
+          <a:noFill/>
+          <a:ln>
+            <a:solidFill>
+              <a:schemeClr val="tx1"/>
+            </a:solidFill>
+          </a:ln>
+        </p:spPr>
+        <p:style>
+          <a:lnRef idx="2">
+            <a:schemeClr val="accent1">
+              <a:shade val="50000"/>
+            </a:schemeClr>
+          </a:lnRef>
+          <a:fillRef idx="1">
+            <a:schemeClr val="accent1"/>
+          </a:fillRef>
+          <a:effectRef idx="0">
+            <a:schemeClr val="accent1"/>
+          </a:effectRef>
+          <a:fontRef idx="minor">
+            <a:schemeClr val="lt1"/>
+          </a:fontRef>
+        </p:style>
+        <p:txBody>
+          <a:bodyPr rtlCol="0" anchor="ctr"/>
+          <a:lstStyle/>
+          <a:p>
+            <a:pPr algn="ctr"/>
+            <a:endParaRPr lang="en-US"/>
+          </a:p>
+        </p:txBody>
+      </p:sp>
+      <p:sp>
+        <p:nvSpPr>
+          <p:cNvPr id="34" name="Rectangle 33"/>
+          <p:cNvSpPr/>
+          <p:nvPr/>
+        </p:nvSpPr>
+        <p:spPr>
+          <a:xfrm>
+            <a:off x="152400" y="792480"/>
+            <a:ext cx="304800" cy="274320"/>
+          </a:xfrm>
+          <a:prstGeom prst="rect">
+            <a:avLst/>
+          </a:prstGeom>
+          <a:noFill/>
+          <a:ln>
+            <a:solidFill>
+              <a:schemeClr val="tx1"/>
+            </a:solidFill>
+          </a:ln>
+        </p:spPr>
+        <p:style>
+          <a:lnRef idx="2">
+            <a:schemeClr val="accent1">
+              <a:shade val="50000"/>
+            </a:schemeClr>
+          </a:lnRef>
+          <a:fillRef idx="1">
+            <a:schemeClr val="accent1"/>
+          </a:fillRef>
+          <a:effectRef idx="0">
+            <a:schemeClr val="accent1"/>
+          </a:effectRef>
+          <a:fontRef idx="minor">
+            <a:schemeClr val="lt1"/>
+          </a:fontRef>
+        </p:style>
+        <p:txBody>
+          <a:bodyPr rtlCol="0" anchor="ctr"/>
+          <a:lstStyle/>
+          <a:p>
+            <a:pPr algn="ctr"/>
+            <a:endParaRPr lang="en-US"/>
+          </a:p>
+        </p:txBody>
+      </p:sp>
+      <p:sp>
+        <p:nvSpPr>
+          <p:cNvPr id="11" name="TextBox 10"/>
+          <p:cNvSpPr txBox="1"/>
+          <p:nvPr/>
+        </p:nvSpPr>
+        <p:spPr>
+          <a:xfrm>
+            <a:off x="609600" y="762000"/>
+            <a:ext cx="1952009" cy="400110"/>
+          </a:xfrm>
+          <a:prstGeom prst="rect">
+            <a:avLst/>
+          </a:prstGeom>
+          <a:noFill/>
+        </p:spPr>
+        <p:txBody>
+          <a:bodyPr wrap="none" rtlCol="0">
+            <a:spAutoFit/>
+          </a:bodyPr>
+          <a:lstStyle/>
+          <a:p>
+            <a:r>
+              <a:rPr lang="en-US" sz="2000" dirty="0" smtClean="0"/>
+              <a:t>Fade in fast track</a:t>
+            </a:r>
+            <a:endParaRPr lang="en-US" sz="2000" dirty="0"/>
+          </a:p>
+        </p:txBody>
+      </p:sp>
+      <p:sp>
+        <p:nvSpPr>
+          <p:cNvPr id="35" name="Rectangle 34"/>
+          <p:cNvSpPr/>
+          <p:nvPr/>
+        </p:nvSpPr>
+        <p:spPr>
+          <a:xfrm>
+            <a:off x="0" y="1295400"/>
+            <a:ext cx="6858000" cy="701040"/>
+          </a:xfrm>
+          <a:prstGeom prst="rect">
+            <a:avLst/>
+          </a:prstGeom>
+          <a:noFill/>
+          <a:ln>
+            <a:solidFill>
+              <a:schemeClr val="tx1"/>
+            </a:solidFill>
+          </a:ln>
+        </p:spPr>
+        <p:style>
+          <a:lnRef idx="2">
+            <a:schemeClr val="accent1">
+              <a:shade val="50000"/>
+            </a:schemeClr>
+          </a:lnRef>
+          <a:fillRef idx="1">
+            <a:schemeClr val="accent1"/>
+          </a:fillRef>
+          <a:effectRef idx="0">
+            <a:schemeClr val="accent1"/>
+          </a:effectRef>
+          <a:fontRef idx="minor">
+            <a:schemeClr val="lt1"/>
+          </a:fontRef>
+        </p:style>
+        <p:txBody>
+          <a:bodyPr rtlCol="0" anchor="ctr"/>
+          <a:lstStyle/>
+          <a:p>
+            <a:pPr algn="ctr"/>
+            <a:endParaRPr lang="en-US"/>
+          </a:p>
+        </p:txBody>
+      </p:sp>
+      <p:sp>
+        <p:nvSpPr>
+          <p:cNvPr id="36" name="Rectangle 35"/>
+          <p:cNvSpPr/>
+          <p:nvPr/>
+        </p:nvSpPr>
+        <p:spPr>
+          <a:xfrm>
+            <a:off x="152400" y="1493520"/>
+            <a:ext cx="304800" cy="274320"/>
+          </a:xfrm>
+          <a:prstGeom prst="rect">
+            <a:avLst/>
+          </a:prstGeom>
+          <a:noFill/>
+          <a:ln>
+            <a:solidFill>
+              <a:schemeClr val="tx1"/>
+            </a:solidFill>
+          </a:ln>
+        </p:spPr>
+        <p:style>
+          <a:lnRef idx="2">
+            <a:schemeClr val="accent1">
+              <a:shade val="50000"/>
+            </a:schemeClr>
+          </a:lnRef>
+          <a:fillRef idx="1">
+            <a:schemeClr val="accent1"/>
+          </a:fillRef>
+          <a:effectRef idx="0">
+            <a:schemeClr val="accent1"/>
+          </a:effectRef>
+          <a:fontRef idx="minor">
+            <a:schemeClr val="lt1"/>
+          </a:fontRef>
+        </p:style>
+        <p:txBody>
+          <a:bodyPr rtlCol="0" anchor="ctr"/>
+          <a:lstStyle/>
+          <a:p>
+            <a:pPr algn="ctr"/>
+            <a:endParaRPr lang="en-US"/>
+          </a:p>
+        </p:txBody>
+      </p:sp>
+      <p:sp>
+        <p:nvSpPr>
+          <p:cNvPr id="37" name="TextBox 36"/>
+          <p:cNvSpPr txBox="1"/>
+          <p:nvPr/>
+        </p:nvSpPr>
+        <p:spPr>
+          <a:xfrm>
+            <a:off x="609600" y="1463040"/>
+            <a:ext cx="5304722" cy="400110"/>
+          </a:xfrm>
+          <a:prstGeom prst="rect">
+            <a:avLst/>
+          </a:prstGeom>
+          <a:noFill/>
+        </p:spPr>
+        <p:txBody>
+          <a:bodyPr wrap="none" rtlCol="0">
+            <a:spAutoFit/>
+          </a:bodyPr>
+          <a:lstStyle/>
+          <a:p>
+            <a:r>
+              <a:rPr lang="en-US" sz="2000" dirty="0" smtClean="0"/>
+              <a:t>Pick random song from list (rather than top song)</a:t>
+            </a:r>
+            <a:endParaRPr lang="en-US" sz="2000" dirty="0"/>
+          </a:p>
+        </p:txBody>
+      </p:sp>
+      <p:sp>
+        <p:nvSpPr>
+          <p:cNvPr id="38" name="Rectangle 37"/>
+          <p:cNvSpPr/>
+          <p:nvPr/>
+        </p:nvSpPr>
+        <p:spPr>
+          <a:xfrm>
+            <a:off x="0" y="1996440"/>
+            <a:ext cx="6858000" cy="701040"/>
+          </a:xfrm>
+          <a:prstGeom prst="rect">
+            <a:avLst/>
+          </a:prstGeom>
+          <a:noFill/>
+          <a:ln>
+            <a:solidFill>
+              <a:schemeClr val="tx1"/>
+            </a:solidFill>
+          </a:ln>
+        </p:spPr>
+        <p:style>
+          <a:lnRef idx="2">
+            <a:schemeClr val="accent1">
+              <a:shade val="50000"/>
+            </a:schemeClr>
+          </a:lnRef>
+          <a:fillRef idx="1">
+            <a:schemeClr val="accent1"/>
+          </a:fillRef>
+          <a:effectRef idx="0">
+            <a:schemeClr val="accent1"/>
+          </a:effectRef>
+          <a:fontRef idx="minor">
+            <a:schemeClr val="lt1"/>
+          </a:fontRef>
+        </p:style>
+        <p:txBody>
+          <a:bodyPr rtlCol="0" anchor="ctr"/>
+          <a:lstStyle/>
+          <a:p>
+            <a:pPr algn="ctr"/>
+            <a:endParaRPr lang="en-US"/>
+          </a:p>
+        </p:txBody>
+      </p:sp>
+      <p:sp>
+        <p:nvSpPr>
+          <p:cNvPr id="39" name="Rectangle 38"/>
+          <p:cNvSpPr/>
+          <p:nvPr/>
+        </p:nvSpPr>
+        <p:spPr>
+          <a:xfrm>
+            <a:off x="152400" y="2194560"/>
+            <a:ext cx="304800" cy="274320"/>
+          </a:xfrm>
+          <a:prstGeom prst="rect">
+            <a:avLst/>
+          </a:prstGeom>
+          <a:noFill/>
+          <a:ln>
+            <a:solidFill>
+              <a:schemeClr val="tx1"/>
+            </a:solidFill>
+          </a:ln>
+        </p:spPr>
+        <p:style>
+          <a:lnRef idx="2">
+            <a:schemeClr val="accent1">
+              <a:shade val="50000"/>
+            </a:schemeClr>
+          </a:lnRef>
+          <a:fillRef idx="1">
+            <a:schemeClr val="accent1"/>
+          </a:fillRef>
+          <a:effectRef idx="0">
+            <a:schemeClr val="accent1"/>
+          </a:effectRef>
+          <a:fontRef idx="minor">
+            <a:schemeClr val="lt1"/>
+          </a:fontRef>
+        </p:style>
+        <p:txBody>
+          <a:bodyPr rtlCol="0" anchor="ctr"/>
+          <a:lstStyle/>
+          <a:p>
+            <a:pPr algn="ctr"/>
+            <a:endParaRPr lang="en-US"/>
+          </a:p>
+        </p:txBody>
+      </p:sp>
+      <p:sp>
+        <p:nvSpPr>
+          <p:cNvPr id="40" name="TextBox 39"/>
+          <p:cNvSpPr txBox="1"/>
+          <p:nvPr/>
+        </p:nvSpPr>
+        <p:spPr>
+          <a:xfrm>
+            <a:off x="609600" y="2164080"/>
+            <a:ext cx="2751651" cy="400110"/>
+          </a:xfrm>
+          <a:prstGeom prst="rect">
+            <a:avLst/>
+          </a:prstGeom>
+          <a:noFill/>
+        </p:spPr>
+        <p:txBody>
+          <a:bodyPr wrap="none" rtlCol="0">
+            <a:spAutoFit/>
+          </a:bodyPr>
+          <a:lstStyle/>
+          <a:p>
+            <a:r>
+              <a:rPr lang="en-US" sz="2000" dirty="0" smtClean="0"/>
+              <a:t>Add bias to listen history</a:t>
+            </a:r>
+            <a:endParaRPr lang="en-US" sz="2000" dirty="0"/>
+          </a:p>
+        </p:txBody>
+      </p:sp>
+      <p:cxnSp>
+        <p:nvCxnSpPr>
+          <p:cNvPr id="17" name="Straight Connector 16"/>
+          <p:cNvCxnSpPr/>
+          <p:nvPr/>
+        </p:nvCxnSpPr>
+        <p:spPr>
+          <a:xfrm flipH="1">
+            <a:off x="295275" y="1463040"/>
+            <a:ext cx="314325" cy="237187"/>
+          </a:xfrm>
+          <a:prstGeom prst="line">
+            <a:avLst/>
+          </a:prstGeom>
+          <a:ln w="28575">
+            <a:solidFill>
+              <a:schemeClr val="tx1"/>
+            </a:solidFill>
+          </a:ln>
+        </p:spPr>
+        <p:style>
+          <a:lnRef idx="1">
+            <a:schemeClr val="accent1"/>
+          </a:lnRef>
+          <a:fillRef idx="0">
+            <a:schemeClr val="accent1"/>
+          </a:fillRef>
+          <a:effectRef idx="0">
+            <a:schemeClr val="accent1"/>
+          </a:effectRef>
+          <a:fontRef idx="minor">
+            <a:schemeClr val="tx1"/>
+          </a:fontRef>
+        </p:style>
+      </p:cxnSp>
+      <p:cxnSp>
+        <p:nvCxnSpPr>
+          <p:cNvPr id="41" name="Straight Connector 40"/>
+          <p:cNvCxnSpPr/>
+          <p:nvPr/>
+        </p:nvCxnSpPr>
+        <p:spPr>
+          <a:xfrm flipH="1" flipV="1">
+            <a:off x="142875" y="1563067"/>
+            <a:ext cx="152400" cy="137160"/>
+          </a:xfrm>
+          <a:prstGeom prst="line">
+            <a:avLst/>
+          </a:prstGeom>
+          <a:ln w="28575">
+            <a:solidFill>
+              <a:schemeClr val="tx1"/>
+            </a:solidFill>
+          </a:ln>
+        </p:spPr>
+        <p:style>
+          <a:lnRef idx="1">
+            <a:schemeClr val="accent1"/>
+          </a:lnRef>
+          <a:fillRef idx="0">
+            <a:schemeClr val="accent1"/>
+          </a:fillRef>
+          <a:effectRef idx="0">
+            <a:schemeClr val="accent1"/>
+          </a:effectRef>
+          <a:fontRef idx="minor">
+            <a:schemeClr val="tx1"/>
+          </a:fontRef>
+        </p:style>
+      </p:cxnSp>
+      <p:sp>
+        <p:nvSpPr>
+          <p:cNvPr id="42" name="Rectangle 41"/>
+          <p:cNvSpPr/>
+          <p:nvPr/>
+        </p:nvSpPr>
+        <p:spPr>
+          <a:xfrm>
+            <a:off x="2286000" y="8153400"/>
+            <a:ext cx="2209800" cy="685800"/>
+          </a:xfrm>
+          <a:prstGeom prst="rect">
+            <a:avLst/>
+          </a:prstGeom>
+        </p:spPr>
+        <p:style>
+          <a:lnRef idx="2">
+            <a:schemeClr val="accent1">
+              <a:shade val="50000"/>
+            </a:schemeClr>
+          </a:lnRef>
+          <a:fillRef idx="1">
+            <a:schemeClr val="accent1"/>
+          </a:fillRef>
+          <a:effectRef idx="0">
+            <a:schemeClr val="accent1"/>
+          </a:effectRef>
+          <a:fontRef idx="minor">
+            <a:schemeClr val="lt1"/>
+          </a:fontRef>
+        </p:style>
+        <p:txBody>
+          <a:bodyPr rtlCol="0" anchor="ctr"/>
+          <a:lstStyle/>
+          <a:p>
+            <a:pPr algn="ctr"/>
+            <a:r>
+              <a:rPr lang="en-US" sz="2800" dirty="0" smtClean="0"/>
+              <a:t>Back to Song</a:t>
+            </a:r>
+            <a:endParaRPr lang="en-US" sz="2800" dirty="0"/>
+          </a:p>
+        </p:txBody>
+      </p:sp>
+    </p:spTree>
+    <p:extLst>
+      <p:ext uri="{BB962C8B-B14F-4D97-AF65-F5344CB8AC3E}">
+        <p14:creationId xmlns:p14="http://schemas.microsoft.com/office/powerpoint/2010/main" val="3700069719"/>
+      </p:ext>
+    </p:extLst>
+  </p:cSld>
+  <p:clrMapOvr>
+    <a:masterClrMapping/>
+  </p:clrMapOvr>
+</p:sld>
+</file>
+
+<file path=ppt/slides/slide4.xml><?xml version="1.0" encoding="utf-8"?>
+<p:sld xmlns:a="http://schemas.openxmlformats.org/drawingml/2006/main" xmlns:r="http://schemas.openxmlformats.org/officeDocument/2006/relationships" xmlns:p="http://schemas.openxmlformats.org/presentationml/2006/main">
+  <p:cSld>
+    <p:spTree>
+      <p:nvGrpSpPr>
+        <p:cNvPr id="1" name=""/>
+        <p:cNvGrpSpPr/>
+        <p:nvPr/>
+      </p:nvGrpSpPr>
+      <p:grpSpPr>
+        <a:xfrm>
+          <a:off x="0" y="0"/>
+          <a:ext cx="0" cy="0"/>
+          <a:chOff x="0" y="0"/>
+          <a:chExt cx="0" cy="0"/>
+        </a:xfrm>
+      </p:grpSpPr>
+      <p:pic>
+        <p:nvPicPr>
+          <p:cNvPr id="1026" name="Picture 2" descr="C:\Users\Student\Documents\GitHub\MobileDev\Wireframe1\Slide1.PNG"/>
+          <p:cNvPicPr>
+            <a:picLocks noChangeAspect="1" noChangeArrowheads="1"/>
+          </p:cNvPicPr>
+          <p:nvPr/>
+        </p:nvPicPr>
+        <p:blipFill>
+          <a:blip r:embed="rId2" cstate="print">
+            <a:extLst>
+              <a:ext uri="{28A0092B-C50C-407E-A947-70E740481C1C}">
+                <a14:useLocalDpi xmlns:a14="http://schemas.microsoft.com/office/drawing/2010/main" val="0"/>
+              </a:ext>
+            </a:extLst>
+          </a:blip>
+          <a:srcRect/>
+          <a:stretch>
+            <a:fillRect/>
+          </a:stretch>
+        </p:blipFill>
+        <p:spPr bwMode="auto">
+          <a:xfrm>
+            <a:off x="429119" y="574138"/>
+            <a:ext cx="2533354" cy="3378001"/>
+          </a:xfrm>
+          <a:prstGeom prst="rect">
+            <a:avLst/>
+          </a:prstGeom>
+          <a:ln>
+            <a:noFill/>
+          </a:ln>
+          <a:effectLst>
+            <a:outerShdw blurRad="292100" dist="139700" dir="2700000" algn="tl" rotWithShape="0">
+              <a:srgbClr val="333333">
+                <a:alpha val="65000"/>
+              </a:srgbClr>
+            </a:outerShdw>
+          </a:effectLst>
+          <a:extLst>
+            <a:ext uri="{909E8E84-426E-40DD-AFC4-6F175D3DCCD1}">
+              <a14:hiddenFill xmlns:a14="http://schemas.microsoft.com/office/drawing/2010/main">
+                <a:solidFill>
+                  <a:srgbClr val="FFFFFF"/>
+                </a:solidFill>
+              </a14:hiddenFill>
+            </a:ext>
+          </a:extLst>
+        </p:spPr>
+      </p:pic>
+      <p:pic>
+        <p:nvPicPr>
+          <p:cNvPr id="1027" name="Picture 3" descr="C:\Users\Student\Documents\GitHub\MobileDev\Wireframe1\Slide2.PNG"/>
+          <p:cNvPicPr>
+            <a:picLocks noChangeAspect="1" noChangeArrowheads="1"/>
+          </p:cNvPicPr>
+          <p:nvPr/>
+        </p:nvPicPr>
+        <p:blipFill>
+          <a:blip r:embed="rId3" cstate="print">
+            <a:extLst>
+              <a:ext uri="{28A0092B-C50C-407E-A947-70E740481C1C}">
+                <a14:useLocalDpi xmlns:a14="http://schemas.microsoft.com/office/drawing/2010/main" val="0"/>
+              </a:ext>
+            </a:extLst>
+          </a:blip>
+          <a:srcRect/>
+          <a:stretch>
+            <a:fillRect/>
+          </a:stretch>
+        </p:blipFill>
+        <p:spPr bwMode="auto">
+          <a:xfrm>
+            <a:off x="494471" y="5588099"/>
+            <a:ext cx="2533354" cy="3378001"/>
+          </a:xfrm>
+          <a:prstGeom prst="rect">
+            <a:avLst/>
+          </a:prstGeom>
+          <a:ln>
+            <a:noFill/>
+          </a:ln>
+          <a:effectLst>
+            <a:outerShdw blurRad="292100" dist="139700" dir="2700000" algn="tl" rotWithShape="0">
+              <a:srgbClr val="333333">
+                <a:alpha val="65000"/>
+              </a:srgbClr>
+            </a:outerShdw>
+          </a:effectLst>
+          <a:extLst>
+            <a:ext uri="{909E8E84-426E-40DD-AFC4-6F175D3DCCD1}">
+              <a14:hiddenFill xmlns:a14="http://schemas.microsoft.com/office/drawing/2010/main">
+                <a:solidFill>
+                  <a:srgbClr val="FFFFFF"/>
+                </a:solidFill>
+              </a14:hiddenFill>
+            </a:ext>
+          </a:extLst>
+        </p:spPr>
+      </p:pic>
+      <p:pic>
+        <p:nvPicPr>
+          <p:cNvPr id="1029" name="Picture 5" descr="C:\Users\Student\Documents\GitHub\MobileDev\Wireframe1\Slide3.PNG"/>
+          <p:cNvPicPr>
+            <a:picLocks noChangeAspect="1" noChangeArrowheads="1"/>
+          </p:cNvPicPr>
+          <p:nvPr/>
+        </p:nvPicPr>
+        <p:blipFill>
+          <a:blip r:embed="rId4" cstate="print">
+            <a:extLst>
+              <a:ext uri="{28A0092B-C50C-407E-A947-70E740481C1C}">
+                <a14:useLocalDpi xmlns:a14="http://schemas.microsoft.com/office/drawing/2010/main" val="0"/>
+              </a:ext>
+            </a:extLst>
+          </a:blip>
+          <a:srcRect/>
+          <a:stretch>
+            <a:fillRect/>
+          </a:stretch>
+        </p:blipFill>
+        <p:spPr bwMode="auto">
+          <a:xfrm>
+            <a:off x="3886200" y="3175028"/>
+            <a:ext cx="2532512" cy="3376879"/>
+          </a:xfrm>
+          <a:prstGeom prst="rect">
+            <a:avLst/>
+          </a:prstGeom>
+          <a:ln>
+            <a:noFill/>
+          </a:ln>
+          <a:effectLst>
+            <a:outerShdw blurRad="292100" dist="139700" dir="2700000" algn="tl" rotWithShape="0">
+              <a:srgbClr val="333333">
+                <a:alpha val="65000"/>
+              </a:srgbClr>
+            </a:outerShdw>
+          </a:effectLst>
+          <a:extLst>
+            <a:ext uri="{909E8E84-426E-40DD-AFC4-6F175D3DCCD1}">
+              <a14:hiddenFill xmlns:a14="http://schemas.microsoft.com/office/drawing/2010/main">
+                <a:solidFill>
+                  <a:srgbClr val="FFFFFF"/>
+                </a:solidFill>
+              </a14:hiddenFill>
+            </a:ext>
+          </a:extLst>
+        </p:spPr>
+      </p:pic>
+      <p:cxnSp>
+        <p:nvCxnSpPr>
+          <p:cNvPr id="5" name="Straight Arrow Connector 4"/>
+          <p:cNvCxnSpPr/>
+          <p:nvPr/>
+        </p:nvCxnSpPr>
+        <p:spPr>
+          <a:xfrm flipH="1" flipV="1">
+            <a:off x="2057400" y="3952140"/>
+            <a:ext cx="3095056" cy="2296260"/>
+          </a:xfrm>
+          <a:prstGeom prst="straightConnector1">
+            <a:avLst/>
+          </a:prstGeom>
+          <a:ln w="57150">
+            <a:solidFill>
+              <a:srgbClr val="FF0000"/>
+            </a:solidFill>
+            <a:tailEnd type="arrow"/>
+          </a:ln>
+        </p:spPr>
+        <p:style>
+          <a:lnRef idx="1">
+            <a:schemeClr val="dk1"/>
+          </a:lnRef>
+          <a:fillRef idx="0">
+            <a:schemeClr val="dk1"/>
+          </a:fillRef>
+          <a:effectRef idx="0">
+            <a:schemeClr val="dk1"/>
+          </a:effectRef>
+          <a:fontRef idx="minor">
+            <a:schemeClr val="tx1"/>
+          </a:fontRef>
+        </p:style>
+      </p:cxnSp>
+      <p:cxnSp>
+        <p:nvCxnSpPr>
+          <p:cNvPr id="11" name="Straight Arrow Connector 10"/>
+          <p:cNvCxnSpPr/>
+          <p:nvPr/>
+        </p:nvCxnSpPr>
+        <p:spPr>
+          <a:xfrm flipV="1">
+            <a:off x="1391586" y="3952140"/>
+            <a:ext cx="0" cy="3094127"/>
+          </a:xfrm>
+          <a:prstGeom prst="straightConnector1">
+            <a:avLst/>
+          </a:prstGeom>
+          <a:ln w="57150">
+            <a:solidFill>
+              <a:srgbClr val="FF0000"/>
+            </a:solidFill>
+            <a:tailEnd type="arrow"/>
+          </a:ln>
+        </p:spPr>
+        <p:style>
+          <a:lnRef idx="1">
+            <a:schemeClr val="dk1"/>
+          </a:lnRef>
+          <a:fillRef idx="0">
+            <a:schemeClr val="dk1"/>
+          </a:fillRef>
+          <a:effectRef idx="0">
+            <a:schemeClr val="dk1"/>
+          </a:effectRef>
+          <a:fontRef idx="minor">
+            <a:schemeClr val="tx1"/>
+          </a:fontRef>
+        </p:style>
+      </p:cxnSp>
+      <p:cxnSp>
+        <p:nvCxnSpPr>
+          <p:cNvPr id="16" name="Straight Arrow Connector 15"/>
+          <p:cNvCxnSpPr>
+            <a:endCxn id="1029" idx="0"/>
+          </p:cNvCxnSpPr>
+          <p:nvPr/>
+        </p:nvCxnSpPr>
+        <p:spPr>
+          <a:xfrm>
+            <a:off x="3046411" y="647700"/>
+            <a:ext cx="2106045" cy="2527328"/>
+          </a:xfrm>
+          <a:prstGeom prst="straightConnector1">
+            <a:avLst/>
+          </a:prstGeom>
+          <a:ln w="57150">
+            <a:solidFill>
+              <a:srgbClr val="FF0000"/>
+            </a:solidFill>
+            <a:tailEnd type="arrow"/>
+          </a:ln>
+        </p:spPr>
+        <p:style>
+          <a:lnRef idx="1">
+            <a:schemeClr val="dk1"/>
+          </a:lnRef>
+          <a:fillRef idx="0">
+            <a:schemeClr val="dk1"/>
+          </a:fillRef>
+          <a:effectRef idx="0">
+            <a:schemeClr val="dk1"/>
+          </a:effectRef>
+          <a:fontRef idx="minor">
+            <a:schemeClr val="tx1"/>
+          </a:fontRef>
+        </p:style>
+      </p:cxnSp>
+      <p:cxnSp>
+        <p:nvCxnSpPr>
+          <p:cNvPr id="20" name="Straight Arrow Connector 19"/>
+          <p:cNvCxnSpPr/>
+          <p:nvPr/>
+        </p:nvCxnSpPr>
+        <p:spPr>
+          <a:xfrm flipH="1">
+            <a:off x="1063622" y="1104900"/>
+            <a:ext cx="155578" cy="4483199"/>
+          </a:xfrm>
+          <a:prstGeom prst="straightConnector1">
+            <a:avLst/>
+          </a:prstGeom>
+          <a:ln w="57150">
+            <a:solidFill>
+              <a:srgbClr val="FF0000"/>
+            </a:solidFill>
+            <a:tailEnd type="arrow"/>
+          </a:ln>
+        </p:spPr>
+        <p:style>
+          <a:lnRef idx="1">
+            <a:schemeClr val="dk1"/>
+          </a:lnRef>
+          <a:fillRef idx="0">
+            <a:schemeClr val="dk1"/>
+          </a:fillRef>
+          <a:effectRef idx="0">
+            <a:schemeClr val="dk1"/>
+          </a:effectRef>
+          <a:fontRef idx="minor">
+            <a:schemeClr val="tx1"/>
+          </a:fontRef>
+        </p:style>
+      </p:cxnSp>
+      <p:sp>
+        <p:nvSpPr>
+          <p:cNvPr id="19" name="TextBox 18"/>
+          <p:cNvSpPr txBox="1"/>
+          <p:nvPr/>
+        </p:nvSpPr>
+        <p:spPr>
+          <a:xfrm>
+            <a:off x="703479" y="87868"/>
+            <a:ext cx="1771382" cy="461665"/>
+          </a:xfrm>
+          <a:prstGeom prst="rect">
+            <a:avLst/>
+          </a:prstGeom>
+          <a:noFill/>
+        </p:spPr>
+        <p:txBody>
+          <a:bodyPr wrap="none" rtlCol="0">
+            <a:spAutoFit/>
+          </a:bodyPr>
+          <a:lstStyle/>
+          <a:p>
+            <a:r>
+              <a:rPr lang="en-US" sz="2400" b="1" dirty="0" smtClean="0"/>
+              <a:t>Main Screen</a:t>
+            </a:r>
+            <a:endParaRPr lang="en-US" sz="2400" b="1" dirty="0"/>
+          </a:p>
+        </p:txBody>
+      </p:sp>
+      <p:sp>
+        <p:nvSpPr>
+          <p:cNvPr id="25" name="TextBox 24"/>
+          <p:cNvSpPr txBox="1"/>
+          <p:nvPr/>
+        </p:nvSpPr>
+        <p:spPr>
+          <a:xfrm>
+            <a:off x="4152105" y="6815435"/>
+            <a:ext cx="2017284" cy="461665"/>
+          </a:xfrm>
+          <a:prstGeom prst="rect">
+            <a:avLst/>
+          </a:prstGeom>
+          <a:noFill/>
+        </p:spPr>
+        <p:txBody>
+          <a:bodyPr wrap="none" rtlCol="0">
+            <a:spAutoFit/>
+          </a:bodyPr>
+          <a:lstStyle/>
+          <a:p>
+            <a:r>
+              <a:rPr lang="en-US" sz="2400" b="1" dirty="0" smtClean="0"/>
+              <a:t>Options Menu</a:t>
+            </a:r>
+            <a:endParaRPr lang="en-US" sz="2400" b="1" dirty="0"/>
+          </a:p>
+        </p:txBody>
+      </p:sp>
+      <p:sp>
+        <p:nvSpPr>
+          <p:cNvPr id="26" name="TextBox 25"/>
+          <p:cNvSpPr txBox="1"/>
+          <p:nvPr/>
+        </p:nvSpPr>
+        <p:spPr>
+          <a:xfrm>
+            <a:off x="3240516" y="8293715"/>
+            <a:ext cx="2713820" cy="461665"/>
+          </a:xfrm>
+          <a:prstGeom prst="rect">
+            <a:avLst/>
+          </a:prstGeom>
+          <a:noFill/>
+        </p:spPr>
+        <p:txBody>
+          <a:bodyPr wrap="none" rtlCol="0">
+            <a:spAutoFit/>
+          </a:bodyPr>
+          <a:lstStyle/>
+          <a:p>
+            <a:r>
+              <a:rPr lang="en-US" sz="2400" b="1" dirty="0" smtClean="0"/>
+              <a:t>&lt; Popular Songs List</a:t>
+            </a:r>
+            <a:endParaRPr lang="en-US" sz="2400" b="1" dirty="0"/>
+          </a:p>
+        </p:txBody>
+      </p:sp>
+      <p:sp>
+        <p:nvSpPr>
+          <p:cNvPr id="21" name="TextBox 20"/>
+          <p:cNvSpPr txBox="1"/>
+          <p:nvPr/>
+        </p:nvSpPr>
+        <p:spPr>
+          <a:xfrm rot="3007359">
+            <a:off x="3398179" y="1381498"/>
+            <a:ext cx="1507849" cy="369332"/>
+          </a:xfrm>
+          <a:prstGeom prst="rect">
+            <a:avLst/>
+          </a:prstGeom>
+          <a:noFill/>
+        </p:spPr>
+        <p:txBody>
+          <a:bodyPr wrap="none" rtlCol="0">
+            <a:spAutoFit/>
+          </a:bodyPr>
+          <a:lstStyle/>
+          <a:p>
+            <a:r>
+              <a:rPr lang="en-US" b="1" dirty="0" smtClean="0">
+                <a:solidFill>
+                  <a:srgbClr val="FF0000"/>
+                </a:solidFill>
+              </a:rPr>
+              <a:t>Open Options</a:t>
+            </a:r>
+            <a:endParaRPr lang="en-US" b="1" dirty="0">
+              <a:solidFill>
+                <a:srgbClr val="FF0000"/>
+              </a:solidFill>
+            </a:endParaRPr>
+          </a:p>
+        </p:txBody>
+      </p:sp>
+      <p:sp>
+        <p:nvSpPr>
+          <p:cNvPr id="28" name="TextBox 27"/>
+          <p:cNvSpPr txBox="1"/>
+          <p:nvPr/>
+        </p:nvSpPr>
+        <p:spPr>
+          <a:xfrm rot="2261903">
+            <a:off x="2386475" y="4408136"/>
+            <a:ext cx="1697068" cy="369332"/>
+          </a:xfrm>
+          <a:prstGeom prst="rect">
+            <a:avLst/>
+          </a:prstGeom>
+          <a:noFill/>
+        </p:spPr>
+        <p:txBody>
+          <a:bodyPr wrap="none" rtlCol="0">
+            <a:spAutoFit/>
+          </a:bodyPr>
+          <a:lstStyle/>
+          <a:p>
+            <a:r>
+              <a:rPr lang="en-US" b="1" dirty="0" smtClean="0">
+                <a:solidFill>
+                  <a:srgbClr val="FF0000"/>
+                </a:solidFill>
+              </a:rPr>
+              <a:t>Return to Songs</a:t>
+            </a:r>
+            <a:endParaRPr lang="en-US" b="1" dirty="0">
+              <a:solidFill>
+                <a:srgbClr val="FF0000"/>
+              </a:solidFill>
+            </a:endParaRPr>
+          </a:p>
+        </p:txBody>
+      </p:sp>
+      <p:sp>
+        <p:nvSpPr>
+          <p:cNvPr id="29" name="TextBox 28"/>
+          <p:cNvSpPr txBox="1"/>
+          <p:nvPr/>
+        </p:nvSpPr>
+        <p:spPr>
+          <a:xfrm rot="5400000">
+            <a:off x="980089" y="4678801"/>
+            <a:ext cx="1401346" cy="369332"/>
+          </a:xfrm>
+          <a:prstGeom prst="rect">
+            <a:avLst/>
+          </a:prstGeom>
+          <a:noFill/>
+        </p:spPr>
+        <p:txBody>
+          <a:bodyPr wrap="none" rtlCol="0">
+            <a:spAutoFit/>
+          </a:bodyPr>
+          <a:lstStyle/>
+          <a:p>
+            <a:r>
+              <a:rPr lang="en-US" b="1" dirty="0" smtClean="0">
+                <a:solidFill>
+                  <a:srgbClr val="FF0000"/>
+                </a:solidFill>
+              </a:rPr>
+              <a:t>Choose Song</a:t>
+            </a:r>
+            <a:endParaRPr lang="en-US" b="1" dirty="0">
+              <a:solidFill>
+                <a:srgbClr val="FF0000"/>
+              </a:solidFill>
+            </a:endParaRPr>
+          </a:p>
+        </p:txBody>
+      </p:sp>
+      <p:sp>
+        <p:nvSpPr>
+          <p:cNvPr id="34" name="TextBox 33"/>
+          <p:cNvSpPr txBox="1"/>
+          <p:nvPr/>
+        </p:nvSpPr>
+        <p:spPr>
+          <a:xfrm rot="16200000">
+            <a:off x="18296" y="4378813"/>
+            <a:ext cx="1370363" cy="646331"/>
+          </a:xfrm>
+          <a:prstGeom prst="rect">
+            <a:avLst/>
+          </a:prstGeom>
+          <a:noFill/>
+        </p:spPr>
+        <p:txBody>
+          <a:bodyPr wrap="square" rtlCol="0">
+            <a:spAutoFit/>
+          </a:bodyPr>
+          <a:lstStyle/>
+          <a:p>
+            <a:r>
+              <a:rPr lang="en-US" b="1" dirty="0" smtClean="0">
+                <a:solidFill>
+                  <a:srgbClr val="FF0000"/>
+                </a:solidFill>
+              </a:rPr>
+              <a:t>See Popular Local Songs</a:t>
+            </a:r>
+            <a:endParaRPr lang="en-US" b="1" dirty="0">
+              <a:solidFill>
+                <a:srgbClr val="FF0000"/>
+              </a:solidFill>
+            </a:endParaRPr>
+          </a:p>
+        </p:txBody>
+      </p:sp>
+    </p:spTree>
+    <p:extLst>
+      <p:ext uri="{BB962C8B-B14F-4D97-AF65-F5344CB8AC3E}">
+        <p14:creationId xmlns:p14="http://schemas.microsoft.com/office/powerpoint/2010/main" val="1887186061"/>
       </p:ext>
     </p:extLst>
   </p:cSld>
